--- a/Almustapha_Ado_6871/PROPOSAL_ALMUSTAPHA_ADO_6871.pptx
+++ b/Almustapha_Ado_6871/PROPOSAL_ALMUSTAPHA_ADO_6871.pptx
@@ -107,6 +107,11 @@
       </a:defRPr>
     </a:lvl9pPr>
   </p:defaultTextStyle>
+  <p:extLst>
+    <p:ext uri="{EFAFB233-063F-42B5-8137-9DF3F51BA10A}">
+      <p15:sldGuideLst xmlns:p15="http://schemas.microsoft.com/office/powerpoint/2012/main"/>
+    </p:ext>
+  </p:extLst>
 </p:presentation>
 </file>
 
@@ -249,7 +254,7 @@
           <a:p>
             <a:fld id="{B4E23429-FDAB-47D9-AC5F-22C8B08B4D99}" type="datetimeFigureOut">
               <a:rPr lang="en-NG" smtClean="0"/>
-              <a:t>16/10/2023</a:t>
+              <a:t>23/10/2023</a:t>
             </a:fld>
             <a:endParaRPr lang="en-NG"/>
           </a:p>
@@ -460,7 +465,7 @@
           <a:p>
             <a:fld id="{B4E23429-FDAB-47D9-AC5F-22C8B08B4D99}" type="datetimeFigureOut">
               <a:rPr lang="en-NG" smtClean="0"/>
-              <a:t>16/10/2023</a:t>
+              <a:t>23/10/2023</a:t>
             </a:fld>
             <a:endParaRPr lang="en-NG"/>
           </a:p>
@@ -675,7 +680,7 @@
           <a:p>
             <a:fld id="{B4E23429-FDAB-47D9-AC5F-22C8B08B4D99}" type="datetimeFigureOut">
               <a:rPr lang="en-NG" smtClean="0"/>
-              <a:t>16/10/2023</a:t>
+              <a:t>23/10/2023</a:t>
             </a:fld>
             <a:endParaRPr lang="en-NG"/>
           </a:p>
@@ -876,7 +881,7 @@
           <a:p>
             <a:fld id="{B4E23429-FDAB-47D9-AC5F-22C8B08B4D99}" type="datetimeFigureOut">
               <a:rPr lang="en-NG" smtClean="0"/>
-              <a:t>16/10/2023</a:t>
+              <a:t>23/10/2023</a:t>
             </a:fld>
             <a:endParaRPr lang="en-NG"/>
           </a:p>
@@ -1155,7 +1160,7 @@
           <a:p>
             <a:fld id="{B4E23429-FDAB-47D9-AC5F-22C8B08B4D99}" type="datetimeFigureOut">
               <a:rPr lang="en-NG" smtClean="0"/>
-              <a:t>16/10/2023</a:t>
+              <a:t>23/10/2023</a:t>
             </a:fld>
             <a:endParaRPr lang="en-NG"/>
           </a:p>
@@ -1423,7 +1428,7 @@
           <a:p>
             <a:fld id="{B4E23429-FDAB-47D9-AC5F-22C8B08B4D99}" type="datetimeFigureOut">
               <a:rPr lang="en-NG" smtClean="0"/>
-              <a:t>16/10/2023</a:t>
+              <a:t>23/10/2023</a:t>
             </a:fld>
             <a:endParaRPr lang="en-NG"/>
           </a:p>
@@ -1839,7 +1844,7 @@
           <a:p>
             <a:fld id="{B4E23429-FDAB-47D9-AC5F-22C8B08B4D99}" type="datetimeFigureOut">
               <a:rPr lang="en-NG" smtClean="0"/>
-              <a:t>16/10/2023</a:t>
+              <a:t>23/10/2023</a:t>
             </a:fld>
             <a:endParaRPr lang="en-NG"/>
           </a:p>
@@ -1988,7 +1993,7 @@
           <a:p>
             <a:fld id="{B4E23429-FDAB-47D9-AC5F-22C8B08B4D99}" type="datetimeFigureOut">
               <a:rPr lang="en-NG" smtClean="0"/>
-              <a:t>16/10/2023</a:t>
+              <a:t>23/10/2023</a:t>
             </a:fld>
             <a:endParaRPr lang="en-NG"/>
           </a:p>
@@ -2114,7 +2119,7 @@
           <a:p>
             <a:fld id="{B4E23429-FDAB-47D9-AC5F-22C8B08B4D99}" type="datetimeFigureOut">
               <a:rPr lang="en-NG" smtClean="0"/>
-              <a:t>16/10/2023</a:t>
+              <a:t>23/10/2023</a:t>
             </a:fld>
             <a:endParaRPr lang="en-NG"/>
           </a:p>
@@ -2365,7 +2370,7 @@
           <a:p>
             <a:fld id="{B4E23429-FDAB-47D9-AC5F-22C8B08B4D99}" type="datetimeFigureOut">
               <a:rPr lang="en-NG" smtClean="0"/>
-              <a:t>16/10/2023</a:t>
+              <a:t>23/10/2023</a:t>
             </a:fld>
             <a:endParaRPr lang="en-NG"/>
           </a:p>
@@ -2810,7 +2815,7 @@
           <a:p>
             <a:fld id="{B4E23429-FDAB-47D9-AC5F-22C8B08B4D99}" type="datetimeFigureOut">
               <a:rPr lang="en-NG" smtClean="0"/>
-              <a:t>16/10/2023</a:t>
+              <a:t>23/10/2023</a:t>
             </a:fld>
             <a:endParaRPr lang="en-NG"/>
           </a:p>
@@ -3137,7 +3142,7 @@
           <a:p>
             <a:fld id="{B4E23429-FDAB-47D9-AC5F-22C8B08B4D99}" type="datetimeFigureOut">
               <a:rPr lang="en-NG" smtClean="0"/>
-              <a:t>16/10/2023</a:t>
+              <a:t>23/10/2023</a:t>
             </a:fld>
             <a:endParaRPr lang="en-NG"/>
           </a:p>
